--- a/content/blog/graficos-likert/Imagens.pptx
+++ b/content/blog/graficos-likert/Imagens.pptx
@@ -6,12 +6,13 @@
   </p:sldMasterIdLst>
   <p:sldIdLst>
     <p:sldId id="333" r:id="rId2"/>
-    <p:sldId id="334" r:id="rId3"/>
-    <p:sldId id="335" r:id="rId4"/>
-    <p:sldId id="338" r:id="rId5"/>
-    <p:sldId id="339" r:id="rId6"/>
-    <p:sldId id="337" r:id="rId7"/>
-    <p:sldId id="336" r:id="rId8"/>
+    <p:sldId id="340" r:id="rId3"/>
+    <p:sldId id="334" r:id="rId4"/>
+    <p:sldId id="335" r:id="rId5"/>
+    <p:sldId id="338" r:id="rId6"/>
+    <p:sldId id="339" r:id="rId7"/>
+    <p:sldId id="337" r:id="rId8"/>
+    <p:sldId id="336" r:id="rId9"/>
   </p:sldIdLst>
   <p:sldSz cx="12192000" cy="6858000"/>
   <p:notesSz cx="6858000" cy="9144000"/>
@@ -265,7 +266,7 @@
           <a:p>
             <a:fld id="{8EF3D351-15EE-4CA9-886D-52D945E01E6C}" type="datetimeFigureOut">
               <a:rPr lang="pt-BR" smtClean="0"/>
-              <a:t>28/04/2025</a:t>
+              <a:t>29/04/2025</a:t>
             </a:fld>
             <a:endParaRPr lang="pt-BR"/>
           </a:p>
@@ -463,7 +464,7 @@
           <a:p>
             <a:fld id="{8EF3D351-15EE-4CA9-886D-52D945E01E6C}" type="datetimeFigureOut">
               <a:rPr lang="pt-BR" smtClean="0"/>
-              <a:t>28/04/2025</a:t>
+              <a:t>29/04/2025</a:t>
             </a:fld>
             <a:endParaRPr lang="pt-BR"/>
           </a:p>
@@ -671,7 +672,7 @@
           <a:p>
             <a:fld id="{8EF3D351-15EE-4CA9-886D-52D945E01E6C}" type="datetimeFigureOut">
               <a:rPr lang="pt-BR" smtClean="0"/>
-              <a:t>28/04/2025</a:t>
+              <a:t>29/04/2025</a:t>
             </a:fld>
             <a:endParaRPr lang="pt-BR"/>
           </a:p>
@@ -875,7 +876,7 @@
           <a:p>
             <a:fld id="{8EF3D351-15EE-4CA9-886D-52D945E01E6C}" type="datetimeFigureOut">
               <a:rPr lang="pt-BR" smtClean="0"/>
-              <a:t>28/04/2025</a:t>
+              <a:t>29/04/2025</a:t>
             </a:fld>
             <a:endParaRPr lang="pt-BR"/>
           </a:p>
@@ -1150,7 +1151,7 @@
           <a:p>
             <a:fld id="{8EF3D351-15EE-4CA9-886D-52D945E01E6C}" type="datetimeFigureOut">
               <a:rPr lang="pt-BR" smtClean="0"/>
-              <a:t>28/04/2025</a:t>
+              <a:t>29/04/2025</a:t>
             </a:fld>
             <a:endParaRPr lang="pt-BR"/>
           </a:p>
@@ -1415,7 +1416,7 @@
           <a:p>
             <a:fld id="{8EF3D351-15EE-4CA9-886D-52D945E01E6C}" type="datetimeFigureOut">
               <a:rPr lang="pt-BR" smtClean="0"/>
-              <a:t>28/04/2025</a:t>
+              <a:t>29/04/2025</a:t>
             </a:fld>
             <a:endParaRPr lang="pt-BR"/>
           </a:p>
@@ -1827,7 +1828,7 @@
           <a:p>
             <a:fld id="{8EF3D351-15EE-4CA9-886D-52D945E01E6C}" type="datetimeFigureOut">
               <a:rPr lang="pt-BR" smtClean="0"/>
-              <a:t>28/04/2025</a:t>
+              <a:t>29/04/2025</a:t>
             </a:fld>
             <a:endParaRPr lang="pt-BR"/>
           </a:p>
@@ -1968,7 +1969,7 @@
           <a:p>
             <a:fld id="{8EF3D351-15EE-4CA9-886D-52D945E01E6C}" type="datetimeFigureOut">
               <a:rPr lang="pt-BR" smtClean="0"/>
-              <a:t>28/04/2025</a:t>
+              <a:t>29/04/2025</a:t>
             </a:fld>
             <a:endParaRPr lang="pt-BR"/>
           </a:p>
@@ -2081,7 +2082,7 @@
           <a:p>
             <a:fld id="{8EF3D351-15EE-4CA9-886D-52D945E01E6C}" type="datetimeFigureOut">
               <a:rPr lang="pt-BR" smtClean="0"/>
-              <a:t>28/04/2025</a:t>
+              <a:t>29/04/2025</a:t>
             </a:fld>
             <a:endParaRPr lang="pt-BR"/>
           </a:p>
@@ -2392,7 +2393,7 @@
           <a:p>
             <a:fld id="{8EF3D351-15EE-4CA9-886D-52D945E01E6C}" type="datetimeFigureOut">
               <a:rPr lang="pt-BR" smtClean="0"/>
-              <a:t>28/04/2025</a:t>
+              <a:t>29/04/2025</a:t>
             </a:fld>
             <a:endParaRPr lang="pt-BR"/>
           </a:p>
@@ -2680,7 +2681,7 @@
           <a:p>
             <a:fld id="{8EF3D351-15EE-4CA9-886D-52D945E01E6C}" type="datetimeFigureOut">
               <a:rPr lang="pt-BR" smtClean="0"/>
-              <a:t>28/04/2025</a:t>
+              <a:t>29/04/2025</a:t>
             </a:fld>
             <a:endParaRPr lang="pt-BR"/>
           </a:p>
@@ -2921,7 +2922,7 @@
           <a:p>
             <a:fld id="{8EF3D351-15EE-4CA9-886D-52D945E01E6C}" type="datetimeFigureOut">
               <a:rPr lang="pt-BR" smtClean="0"/>
-              <a:t>28/04/2025</a:t>
+              <a:t>29/04/2025</a:t>
             </a:fld>
             <a:endParaRPr lang="pt-BR"/>
           </a:p>
@@ -3921,6 +3922,124 @@
   <p:cSld>
     <p:spTree>
       <p:nvGrpSpPr>
+        <p:cNvPr id="1" name=""/>
+        <p:cNvGrpSpPr/>
+        <p:nvPr/>
+      </p:nvGrpSpPr>
+      <p:grpSpPr>
+        <a:xfrm>
+          <a:off x="0" y="0"/>
+          <a:ext cx="0" cy="0"/>
+          <a:chOff x="0" y="0"/>
+          <a:chExt cx="0" cy="0"/>
+        </a:xfrm>
+      </p:grpSpPr>
+      <p:sp>
+        <p:nvSpPr>
+          <p:cNvPr id="6" name="Retângulo 5">
+            <a:extLst>
+              <a:ext uri="{FF2B5EF4-FFF2-40B4-BE49-F238E27FC236}">
+                <a16:creationId xmlns:a16="http://schemas.microsoft.com/office/drawing/2014/main" id="{9463A8BB-DAA7-D82F-2F02-29FA7834C847}"/>
+              </a:ext>
+            </a:extLst>
+          </p:cNvPr>
+          <p:cNvSpPr/>
+          <p:nvPr/>
+        </p:nvSpPr>
+        <p:spPr>
+          <a:xfrm>
+            <a:off x="2895600" y="1736035"/>
+            <a:ext cx="6480313" cy="3326296"/>
+          </a:xfrm>
+          <a:prstGeom prst="rect">
+            <a:avLst/>
+          </a:prstGeom>
+          <a:solidFill>
+            <a:schemeClr val="bg1"/>
+          </a:solidFill>
+          <a:ln>
+            <a:noFill/>
+          </a:ln>
+        </p:spPr>
+        <p:style>
+          <a:lnRef idx="2">
+            <a:schemeClr val="accent1">
+              <a:shade val="15000"/>
+            </a:schemeClr>
+          </a:lnRef>
+          <a:fillRef idx="1">
+            <a:schemeClr val="accent1"/>
+          </a:fillRef>
+          <a:effectRef idx="0">
+            <a:schemeClr val="accent1"/>
+          </a:effectRef>
+          <a:fontRef idx="minor">
+            <a:schemeClr val="lt1"/>
+          </a:fontRef>
+        </p:style>
+        <p:txBody>
+          <a:bodyPr rtlCol="0" anchor="ctr"/>
+          <a:lstStyle/>
+          <a:p>
+            <a:pPr algn="ctr"/>
+            <a:endParaRPr lang="pt-BR"/>
+          </a:p>
+        </p:txBody>
+      </p:sp>
+      <p:pic>
+        <p:nvPicPr>
+          <p:cNvPr id="5" name="Imagem 4">
+            <a:extLst>
+              <a:ext uri="{FF2B5EF4-FFF2-40B4-BE49-F238E27FC236}">
+                <a16:creationId xmlns:a16="http://schemas.microsoft.com/office/drawing/2014/main" id="{BE1E02C9-3A09-7895-86D8-39E925D91364}"/>
+              </a:ext>
+            </a:extLst>
+          </p:cNvPr>
+          <p:cNvPicPr>
+            <a:picLocks noChangeAspect="1"/>
+          </p:cNvPicPr>
+          <p:nvPr/>
+        </p:nvPicPr>
+        <p:blipFill>
+          <a:blip r:embed="rId2">
+            <a:extLst>
+              <a:ext uri="{28A0092B-C50C-407E-A947-70E740481C1C}">
+                <a14:useLocalDpi xmlns:a14="http://schemas.microsoft.com/office/drawing/2010/main" val="0"/>
+              </a:ext>
+            </a:extLst>
+          </a:blip>
+          <a:stretch>
+            <a:fillRect/>
+          </a:stretch>
+        </p:blipFill>
+        <p:spPr>
+          <a:xfrm>
+            <a:off x="2895600" y="2057400"/>
+            <a:ext cx="6400800" cy="2743200"/>
+          </a:xfrm>
+          <a:prstGeom prst="rect">
+            <a:avLst/>
+          </a:prstGeom>
+        </p:spPr>
+      </p:pic>
+    </p:spTree>
+    <p:extLst>
+      <p:ext uri="{BB962C8B-B14F-4D97-AF65-F5344CB8AC3E}">
+        <p14:creationId xmlns:p14="http://schemas.microsoft.com/office/powerpoint/2010/main" val="3883120232"/>
+      </p:ext>
+    </p:extLst>
+  </p:cSld>
+  <p:clrMapOvr>
+    <a:masterClrMapping/>
+  </p:clrMapOvr>
+</p:sld>
+</file>
+
+<file path=ppt/slides/slide3.xml><?xml version="1.0" encoding="utf-8"?>
+<p:sld xmlns:a="http://schemas.openxmlformats.org/drawingml/2006/main" xmlns:r="http://schemas.openxmlformats.org/officeDocument/2006/relationships" xmlns:p="http://schemas.openxmlformats.org/presentationml/2006/main">
+  <p:cSld>
+    <p:spTree>
+      <p:nvGrpSpPr>
         <p:cNvPr id="1" name="">
           <a:extLst>
             <a:ext uri="{FF2B5EF4-FFF2-40B4-BE49-F238E27FC236}">
@@ -5268,7 +5387,7 @@
 </p:sld>
 </file>
 
-<file path=ppt/slides/slide3.xml><?xml version="1.0" encoding="utf-8"?>
+<file path=ppt/slides/slide4.xml><?xml version="1.0" encoding="utf-8"?>
 <p:sld xmlns:a="http://schemas.openxmlformats.org/drawingml/2006/main" xmlns:r="http://schemas.openxmlformats.org/officeDocument/2006/relationships" xmlns:p="http://schemas.openxmlformats.org/presentationml/2006/main">
   <p:cSld>
     <p:spTree>
@@ -6027,7 +6146,7 @@
 </p:sld>
 </file>
 
-<file path=ppt/slides/slide4.xml><?xml version="1.0" encoding="utf-8"?>
+<file path=ppt/slides/slide5.xml><?xml version="1.0" encoding="utf-8"?>
 <p:sld xmlns:a="http://schemas.openxmlformats.org/drawingml/2006/main" xmlns:r="http://schemas.openxmlformats.org/officeDocument/2006/relationships" xmlns:p="http://schemas.openxmlformats.org/presentationml/2006/main">
   <p:cSld>
     <p:spTree>
@@ -6442,7 +6561,7 @@
 </p:sld>
 </file>
 
-<file path=ppt/slides/slide5.xml><?xml version="1.0" encoding="utf-8"?>
+<file path=ppt/slides/slide6.xml><?xml version="1.0" encoding="utf-8"?>
 <p:sld xmlns:a="http://schemas.openxmlformats.org/drawingml/2006/main" xmlns:r="http://schemas.openxmlformats.org/officeDocument/2006/relationships" xmlns:p="http://schemas.openxmlformats.org/presentationml/2006/main">
   <p:cSld>
     <p:spTree>
@@ -6953,7 +7072,7 @@
 </p:sld>
 </file>
 
-<file path=ppt/slides/slide6.xml><?xml version="1.0" encoding="utf-8"?>
+<file path=ppt/slides/slide7.xml><?xml version="1.0" encoding="utf-8"?>
 <p:sld xmlns:a="http://schemas.openxmlformats.org/drawingml/2006/main" xmlns:r="http://schemas.openxmlformats.org/officeDocument/2006/relationships" xmlns:p="http://schemas.openxmlformats.org/presentationml/2006/main">
   <p:cSld>
     <p:spTree>
@@ -7596,7 +7715,7 @@
 </p:sld>
 </file>
 
-<file path=ppt/slides/slide7.xml><?xml version="1.0" encoding="utf-8"?>
+<file path=ppt/slides/slide8.xml><?xml version="1.0" encoding="utf-8"?>
 <p:sld xmlns:a="http://schemas.openxmlformats.org/drawingml/2006/main" xmlns:r="http://schemas.openxmlformats.org/officeDocument/2006/relationships" xmlns:p="http://schemas.openxmlformats.org/presentationml/2006/main">
   <p:cSld>
     <p:spTree>
